--- a/src/Mockup/Mockup Puttern2.pptx
+++ b/src/Mockup/Mockup Puttern2.pptx
@@ -313,7 +313,7 @@
           <a:p>
             <a:fld id="{C3A6D3AA-A8C7-40F6-B8A3-7DA7999F5308}" type="datetimeFigureOut">
               <a:rPr kumimoji="1" lang="ja-JP" altLang="en-US" smtClean="0"/>
-              <a:t>2024/6/17</a:t>
+              <a:t>2024/6/18</a:t>
             </a:fld>
             <a:endParaRPr kumimoji="1" lang="ja-JP" altLang="en-US"/>
           </a:p>
@@ -543,7 +543,7 @@
           <a:p>
             <a:fld id="{C3A6D3AA-A8C7-40F6-B8A3-7DA7999F5308}" type="datetimeFigureOut">
               <a:rPr kumimoji="1" lang="ja-JP" altLang="en-US" smtClean="0"/>
-              <a:t>2024/6/17</a:t>
+              <a:t>2024/6/18</a:t>
             </a:fld>
             <a:endParaRPr kumimoji="1" lang="ja-JP" altLang="en-US"/>
           </a:p>
@@ -783,7 +783,7 @@
           <a:p>
             <a:fld id="{C3A6D3AA-A8C7-40F6-B8A3-7DA7999F5308}" type="datetimeFigureOut">
               <a:rPr kumimoji="1" lang="ja-JP" altLang="en-US" smtClean="0"/>
-              <a:t>2024/6/17</a:t>
+              <a:t>2024/6/18</a:t>
             </a:fld>
             <a:endParaRPr kumimoji="1" lang="ja-JP" altLang="en-US"/>
           </a:p>
@@ -1013,7 +1013,7 @@
           <a:p>
             <a:fld id="{C3A6D3AA-A8C7-40F6-B8A3-7DA7999F5308}" type="datetimeFigureOut">
               <a:rPr kumimoji="1" lang="ja-JP" altLang="en-US" smtClean="0"/>
-              <a:t>2024/6/17</a:t>
+              <a:t>2024/6/18</a:t>
             </a:fld>
             <a:endParaRPr kumimoji="1" lang="ja-JP" altLang="en-US"/>
           </a:p>
@@ -1288,7 +1288,7 @@
           <a:p>
             <a:fld id="{C3A6D3AA-A8C7-40F6-B8A3-7DA7999F5308}" type="datetimeFigureOut">
               <a:rPr kumimoji="1" lang="ja-JP" altLang="en-US" smtClean="0"/>
-              <a:t>2024/6/17</a:t>
+              <a:t>2024/6/18</a:t>
             </a:fld>
             <a:endParaRPr kumimoji="1" lang="ja-JP" altLang="en-US"/>
           </a:p>
@@ -1617,7 +1617,7 @@
           <a:p>
             <a:fld id="{C3A6D3AA-A8C7-40F6-B8A3-7DA7999F5308}" type="datetimeFigureOut">
               <a:rPr kumimoji="1" lang="ja-JP" altLang="en-US" smtClean="0"/>
-              <a:t>2024/6/17</a:t>
+              <a:t>2024/6/18</a:t>
             </a:fld>
             <a:endParaRPr kumimoji="1" lang="ja-JP" altLang="en-US"/>
           </a:p>
@@ -2093,7 +2093,7 @@
           <a:p>
             <a:fld id="{C3A6D3AA-A8C7-40F6-B8A3-7DA7999F5308}" type="datetimeFigureOut">
               <a:rPr kumimoji="1" lang="ja-JP" altLang="en-US" smtClean="0"/>
-              <a:t>2024/6/17</a:t>
+              <a:t>2024/6/18</a:t>
             </a:fld>
             <a:endParaRPr kumimoji="1" lang="ja-JP" altLang="en-US"/>
           </a:p>
@@ -2234,7 +2234,7 @@
           <a:p>
             <a:fld id="{C3A6D3AA-A8C7-40F6-B8A3-7DA7999F5308}" type="datetimeFigureOut">
               <a:rPr kumimoji="1" lang="ja-JP" altLang="en-US" smtClean="0"/>
-              <a:t>2024/6/17</a:t>
+              <a:t>2024/6/18</a:t>
             </a:fld>
             <a:endParaRPr kumimoji="1" lang="ja-JP" altLang="en-US"/>
           </a:p>
@@ -2347,7 +2347,7 @@
           <a:p>
             <a:fld id="{C3A6D3AA-A8C7-40F6-B8A3-7DA7999F5308}" type="datetimeFigureOut">
               <a:rPr kumimoji="1" lang="ja-JP" altLang="en-US" smtClean="0"/>
-              <a:t>2024/6/17</a:t>
+              <a:t>2024/6/18</a:t>
             </a:fld>
             <a:endParaRPr kumimoji="1" lang="ja-JP" altLang="en-US"/>
           </a:p>
@@ -2690,7 +2690,7 @@
           <a:p>
             <a:fld id="{C3A6D3AA-A8C7-40F6-B8A3-7DA7999F5308}" type="datetimeFigureOut">
               <a:rPr kumimoji="1" lang="ja-JP" altLang="en-US" smtClean="0"/>
-              <a:t>2024/6/17</a:t>
+              <a:t>2024/6/18</a:t>
             </a:fld>
             <a:endParaRPr kumimoji="1" lang="ja-JP" altLang="en-US"/>
           </a:p>
@@ -2978,7 +2978,7 @@
           <a:p>
             <a:fld id="{C3A6D3AA-A8C7-40F6-B8A3-7DA7999F5308}" type="datetimeFigureOut">
               <a:rPr kumimoji="1" lang="ja-JP" altLang="en-US" smtClean="0"/>
-              <a:t>2024/6/17</a:t>
+              <a:t>2024/6/18</a:t>
             </a:fld>
             <a:endParaRPr kumimoji="1" lang="ja-JP" altLang="en-US"/>
           </a:p>
@@ -3251,7 +3251,7 @@
           <a:p>
             <a:fld id="{C3A6D3AA-A8C7-40F6-B8A3-7DA7999F5308}" type="datetimeFigureOut">
               <a:rPr kumimoji="1" lang="ja-JP" altLang="en-US" smtClean="0"/>
-              <a:t>2024/6/17</a:t>
+              <a:t>2024/6/18</a:t>
             </a:fld>
             <a:endParaRPr kumimoji="1" lang="ja-JP" altLang="en-US"/>
           </a:p>
@@ -4267,19 +4267,11 @@
                   <a:schemeClr val="tx1"/>
                 </a:solidFill>
               </a:rPr>
-              <a:t>I have diploma of Electric Information Technology, and I was working in semiconductor industry. I’m good at suggesting efficiency and removing waste of process. I worked with Chinese, Taiwanese, and American people in Chinese and English. I was getting along with them and worked together. I’m learning HTML/CSS, JS to </a:t>
-            </a:r>
-            <a:r>
-              <a:rPr lang="en-US" altLang="ja-JP" sz="1200" dirty="0">
-                <a:solidFill>
-                  <a:srgbClr val="FFFF00"/>
-                </a:solidFill>
-              </a:rPr>
-              <a:t>become a Web Developer that can provide Efficient systems.</a:t>
+              <a:t>I have diploma of Electric Information Technology, and I was working in semiconductor industry. And I’m learning programing to become a Web Developer that can provide Efficient systems.</a:t>
             </a:r>
             <a:endParaRPr kumimoji="1" lang="en-US" altLang="ja-JP" sz="1400" dirty="0">
               <a:solidFill>
-                <a:srgbClr val="FFFF00"/>
+                <a:schemeClr val="tx1"/>
               </a:solidFill>
             </a:endParaRPr>
           </a:p>
@@ -4330,7 +4322,7 @@
         </p:nvSpPr>
         <p:spPr>
           <a:xfrm>
-            <a:off x="3741030" y="6263435"/>
+            <a:off x="3741030" y="5519860"/>
             <a:ext cx="4193309" cy="342885"/>
           </a:xfrm>
           <a:prstGeom prst="rect">
@@ -4364,20 +4356,14 @@
             <a:r>
               <a:rPr kumimoji="1" lang="en-US" altLang="ja-JP" sz="1400" b="1" dirty="0">
                 <a:solidFill>
-                  <a:schemeClr val="accent2">
-                    <a:lumMod val="60000"/>
-                    <a:lumOff val="40000"/>
-                  </a:schemeClr>
+                  <a:schemeClr val="tx1"/>
                 </a:solidFill>
               </a:rPr>
               <a:t>I’m an active person</a:t>
             </a:r>
             <a:endParaRPr kumimoji="1" lang="ja-JP" altLang="en-US" sz="1400" b="1" dirty="0">
               <a:solidFill>
-                <a:schemeClr val="accent2">
-                  <a:lumMod val="60000"/>
-                  <a:lumOff val="40000"/>
-                </a:schemeClr>
+                <a:schemeClr val="tx1"/>
               </a:solidFill>
             </a:endParaRPr>
           </a:p>
@@ -4397,7 +4383,7 @@
         </p:nvSpPr>
         <p:spPr>
           <a:xfrm>
-            <a:off x="3881578" y="6518578"/>
+            <a:off x="3881578" y="5775003"/>
             <a:ext cx="4067356" cy="1545923"/>
           </a:xfrm>
           <a:prstGeom prst="rect">
@@ -4434,7 +4420,7 @@
                   <a:schemeClr val="tx1"/>
                 </a:solidFill>
               </a:rPr>
-              <a:t>I really like Nature, which is Mountain, river, sea,,, and sports. I’ve done these sports, Soccer, Handball,  Tennis, Bouldering, Judo and so on. I have scuba diving license and Judo Black belt. I’m going to do Judo Canada in the future. Honestly, I’m not good at doing sports, but I really love and enjoy nature and sports. </a:t>
+              <a:t>I really like Nature and sports. And I have scuba diving license and Judo Black belt. Honestly, I’m not good at doing sports, but I really love and enjoy nature and sports. </a:t>
             </a:r>
             <a:r>
               <a:rPr lang="en-US" altLang="ja-JP" sz="1200" dirty="0">
@@ -4442,27 +4428,29 @@
                   <a:srgbClr val="FFFF00"/>
                 </a:solidFill>
               </a:rPr>
-              <a:t> Let’s enjoy together!!</a:t>
+              <a:t> </a:t>
+            </a:r>
+            <a:r>
+              <a:rPr lang="en-US" altLang="ja-JP" sz="1200" dirty="0">
+                <a:solidFill>
+                  <a:schemeClr val="tx1"/>
+                </a:solidFill>
+              </a:rPr>
+              <a:t>Let’s enjoy together!!</a:t>
             </a:r>
           </a:p>
           <a:p>
             <a:r>
               <a:rPr lang="en-US" altLang="ja-JP" sz="1400" b="1" dirty="0">
                 <a:solidFill>
-                  <a:schemeClr val="accent6">
-                    <a:lumMod val="60000"/>
-                    <a:lumOff val="40000"/>
-                  </a:schemeClr>
+                  <a:schemeClr val="tx1"/>
                 </a:solidFill>
               </a:rPr>
               <a:t> </a:t>
             </a:r>
             <a:endParaRPr kumimoji="1" lang="en-US" altLang="ja-JP" sz="1400" b="1" dirty="0">
               <a:solidFill>
-                <a:schemeClr val="accent6">
-                  <a:lumMod val="60000"/>
-                  <a:lumOff val="40000"/>
-                </a:schemeClr>
+                <a:schemeClr val="tx1"/>
               </a:solidFill>
             </a:endParaRPr>
           </a:p>
@@ -4564,14 +4552,94 @@
         </p:blipFill>
         <p:spPr>
           <a:xfrm>
-            <a:off x="4387852" y="7885567"/>
+            <a:off x="4324875" y="6796579"/>
             <a:ext cx="3180762" cy="1243920"/>
           </a:xfrm>
           <a:prstGeom prst="rect">
             <a:avLst/>
           </a:prstGeom>
+          <a:solidFill>
+            <a:srgbClr val="1094B3"/>
+          </a:solidFill>
         </p:spPr>
       </p:pic>
+      <p:sp>
+        <p:nvSpPr>
+          <p:cNvPr id="2" name="正方形/長方形 1">
+            <a:extLst>
+              <a:ext uri="{FF2B5EF4-FFF2-40B4-BE49-F238E27FC236}">
+                <a16:creationId xmlns:a16="http://schemas.microsoft.com/office/drawing/2014/main" id="{98553202-CD9F-33B9-4479-B49B06815E3B}"/>
+              </a:ext>
+            </a:extLst>
+          </p:cNvPr>
+          <p:cNvSpPr/>
+          <p:nvPr/>
+        </p:nvSpPr>
+        <p:spPr>
+          <a:xfrm>
+            <a:off x="3800763" y="4283367"/>
+            <a:ext cx="4219750" cy="2668145"/>
+          </a:xfrm>
+          <a:prstGeom prst="rect">
+            <a:avLst/>
+          </a:prstGeom>
+          <a:noFill/>
+          <a:ln>
+            <a:noFill/>
+          </a:ln>
+        </p:spPr>
+        <p:style>
+          <a:lnRef idx="2">
+            <a:schemeClr val="accent1">
+              <a:shade val="15000"/>
+            </a:schemeClr>
+          </a:lnRef>
+          <a:fillRef idx="1">
+            <a:schemeClr val="accent1"/>
+          </a:fillRef>
+          <a:effectRef idx="0">
+            <a:schemeClr val="accent1"/>
+          </a:effectRef>
+          <a:fontRef idx="minor">
+            <a:schemeClr val="lt1"/>
+          </a:fontRef>
+        </p:style>
+        <p:txBody>
+          <a:bodyPr rtlCol="0" anchor="t"/>
+          <a:lstStyle/>
+          <a:p>
+            <a:r>
+              <a:rPr kumimoji="1" lang="en-US" altLang="ja-JP" sz="1400" b="1" dirty="0">
+                <a:solidFill>
+                  <a:schemeClr val="tx1"/>
+                </a:solidFill>
+              </a:rPr>
+              <a:t>I’m an Electric Engineer </a:t>
+            </a:r>
+            <a:r>
+              <a:rPr kumimoji="1" lang="ja-JP" altLang="en-US" sz="1400" b="1" dirty="0">
+                <a:solidFill>
+                  <a:schemeClr val="tx1"/>
+                </a:solidFill>
+              </a:rPr>
+              <a:t>→ </a:t>
+            </a:r>
+            <a:r>
+              <a:rPr kumimoji="1" lang="en-US" altLang="ja-JP" sz="1400" b="1" dirty="0">
+                <a:solidFill>
+                  <a:schemeClr val="tx1"/>
+                </a:solidFill>
+              </a:rPr>
+              <a:t>Web Developer</a:t>
+            </a:r>
+            <a:endParaRPr kumimoji="1" lang="ja-JP" altLang="en-US" sz="1400" b="1" dirty="0">
+              <a:solidFill>
+                <a:schemeClr val="tx1"/>
+              </a:solidFill>
+            </a:endParaRPr>
+          </a:p>
+        </p:txBody>
+      </p:sp>
     </p:spTree>
     <p:extLst>
       <p:ext uri="{BB962C8B-B14F-4D97-AF65-F5344CB8AC3E}">
